--- a/R Workshop Werbung.pptx
+++ b/R Workshop Werbung.pptx
@@ -201,7 +201,7 @@
           <a:p>
             <a:fld id="{8B6E39EA-C797-4066-AF6C-531B6DC49CC5}" type="datetimeFigureOut">
               <a:rPr lang="de-DE" smtClean="0"/>
-              <a:t>17.04.2023</a:t>
+              <a:t>04.05.2024</a:t>
             </a:fld>
             <a:endParaRPr lang="de-DE"/>
           </a:p>
@@ -1065,7 +1065,7 @@
           <a:p>
             <a:fld id="{47670597-F564-43BC-A016-519E9FB65EE1}" type="datetime4">
               <a:rPr lang="de-DE" smtClean="0"/>
-              <a:t>17. April 2023</a:t>
+              <a:t>4. Mai 2024</a:t>
             </a:fld>
             <a:endParaRPr lang="de-DE" dirty="0"/>
           </a:p>
@@ -1291,7 +1291,7 @@
           <a:p>
             <a:fld id="{420D0747-6B7E-4314-84BD-B1B2FD045C91}" type="datetime4">
               <a:rPr lang="de-DE" smtClean="0"/>
-              <a:t>17. April 2023</a:t>
+              <a:t>4. Mai 2024</a:t>
             </a:fld>
             <a:endParaRPr lang="de-DE" dirty="0"/>
           </a:p>
@@ -1536,7 +1536,7 @@
           <a:p>
             <a:fld id="{ED9A9690-DFD1-4719-AD66-F2E6F715E4A9}" type="datetime4">
               <a:rPr lang="de-DE" smtClean="0"/>
-              <a:t>17. April 2023</a:t>
+              <a:t>4. Mai 2024</a:t>
             </a:fld>
             <a:endParaRPr lang="de-DE" dirty="0"/>
           </a:p>
@@ -1829,7 +1829,7 @@
           <a:p>
             <a:fld id="{86C8EBFA-2F2E-43CF-AEB6-7A4197935485}" type="datetime4">
               <a:rPr lang="de-DE" smtClean="0"/>
-              <a:t>17. April 2023</a:t>
+              <a:t>4. Mai 2024</a:t>
             </a:fld>
             <a:endParaRPr lang="de-DE" dirty="0"/>
           </a:p>
@@ -2049,7 +2049,7 @@
           <a:p>
             <a:fld id="{CE103816-0A32-4119-AC67-B41C209159A7}" type="datetime4">
               <a:rPr lang="de-DE" smtClean="0"/>
-              <a:t>17. April 2023</a:t>
+              <a:t>4. Mai 2024</a:t>
             </a:fld>
             <a:endParaRPr lang="de-DE" dirty="0"/>
           </a:p>
@@ -2264,7 +2264,7 @@
           <a:p>
             <a:fld id="{CB4FF300-36D6-4FDA-A7CC-D7694EE78446}" type="datetime4">
               <a:rPr lang="de-DE" smtClean="0"/>
-              <a:t>17. April 2023</a:t>
+              <a:t>4. Mai 2024</a:t>
             </a:fld>
             <a:endParaRPr lang="de-DE" dirty="0"/>
           </a:p>
@@ -2552,7 +2552,7 @@
           <a:p>
             <a:fld id="{E08A6F4A-9078-4D0F-9F2E-CAC30D29CA4E}" type="datetime4">
               <a:rPr lang="de-DE" smtClean="0"/>
-              <a:t>17. April 2023</a:t>
+              <a:t>4. Mai 2024</a:t>
             </a:fld>
             <a:endParaRPr lang="de-DE" dirty="0"/>
           </a:p>
@@ -2815,7 +2815,7 @@
           <a:p>
             <a:fld id="{6B569D4E-8219-447D-A1BD-A05AFC289AAD}" type="datetime4">
               <a:rPr lang="de-DE" smtClean="0"/>
-              <a:t>17. April 2023</a:t>
+              <a:t>4. Mai 2024</a:t>
             </a:fld>
             <a:endParaRPr lang="de-DE" dirty="0"/>
           </a:p>
@@ -3030,7 +3030,7 @@
           <a:p>
             <a:fld id="{59ACFB3E-CE9B-4FB0-8536-88D713D4F6AF}" type="datetime4">
               <a:rPr lang="de-DE" smtClean="0"/>
-              <a:t>17. April 2023</a:t>
+              <a:t>4. Mai 2024</a:t>
             </a:fld>
             <a:endParaRPr lang="de-DE" dirty="0"/>
           </a:p>
@@ -3293,7 +3293,7 @@
           <a:p>
             <a:fld id="{1A1B1668-E9B3-403F-BF97-33AEC40AE4AB}" type="datetime4">
               <a:rPr lang="de-DE" smtClean="0"/>
-              <a:t>17. April 2023</a:t>
+              <a:t>4. Mai 2024</a:t>
             </a:fld>
             <a:endParaRPr lang="de-DE" dirty="0"/>
           </a:p>
@@ -4331,7 +4331,7 @@
           <a:p>
             <a:fld id="{AEDD9837-A3C9-414C-AD10-0C6D24A116EA}" type="datetime4">
               <a:rPr lang="de-DE" smtClean="0"/>
-              <a:t>17. April 2023</a:t>
+              <a:t>4. Mai 2024</a:t>
             </a:fld>
             <a:endParaRPr lang="de-DE" dirty="0"/>
           </a:p>
@@ -4652,7 +4652,7 @@
           <a:p>
             <a:fld id="{75CF6DD1-3BB2-45CE-9190-42F24A14A2BF}" type="datetime4">
               <a:rPr lang="de-DE" smtClean="0"/>
-              <a:t>17. April 2023</a:t>
+              <a:t>4. Mai 2024</a:t>
             </a:fld>
             <a:endParaRPr lang="de-DE" dirty="0"/>
           </a:p>
@@ -5148,7 +5148,7 @@
           <a:p>
             <a:fld id="{CDAD3AB4-DB4B-44E5-A1D8-08A8E8D33845}" type="datetime4">
               <a:rPr lang="de-DE" smtClean="0"/>
-              <a:t>17. April 2023</a:t>
+              <a:t>4. Mai 2024</a:t>
             </a:fld>
             <a:endParaRPr lang="de-DE" dirty="0"/>
           </a:p>
@@ -5642,7 +5642,7 @@
           <a:p>
             <a:fld id="{5103DAB5-D0F5-4C04-BD75-E9F26F8D256B}" type="datetime4">
               <a:rPr lang="de-DE" smtClean="0"/>
-              <a:t>17. April 2023</a:t>
+              <a:t>4. Mai 2024</a:t>
             </a:fld>
             <a:endParaRPr lang="de-DE" dirty="0"/>
           </a:p>
@@ -5786,7 +5786,7 @@
           <a:p>
             <a:fld id="{BE96A5E0-014D-4964-85D6-56D05EF2E0FE}" type="datetime4">
               <a:rPr lang="de-DE" smtClean="0"/>
-              <a:t>17. April 2023</a:t>
+              <a:t>4. Mai 2024</a:t>
             </a:fld>
             <a:endParaRPr lang="de-DE" dirty="0"/>
           </a:p>
@@ -5981,7 +5981,7 @@
           <a:p>
             <a:fld id="{D182490B-C159-4690-B560-E466A799AEE1}" type="datetime4">
               <a:rPr lang="de-DE" smtClean="0"/>
-              <a:t>17. April 2023</a:t>
+              <a:t>4. Mai 2024</a:t>
             </a:fld>
             <a:endParaRPr lang="de-DE" dirty="0"/>
           </a:p>
@@ -8083,7 +8083,7 @@
           <a:p>
             <a:fld id="{EDF476F5-2D21-4221-84FA-3536746B9E94}" type="datetime4">
               <a:rPr lang="de-DE" smtClean="0"/>
-              <a:t>17. April 2023</a:t>
+              <a:t>4. Mai 2024</a:t>
             </a:fld>
             <a:endParaRPr lang="de-DE" dirty="0"/>
           </a:p>
@@ -8871,7 +8871,7 @@
           <a:p>
             <a:fld id="{F3F96E64-DEA8-4086-A9AF-0A7AF8EEF0B4}" type="datetime4">
               <a:rPr lang="de-DE" smtClean="0"/>
-              <a:t>17. April 2023</a:t>
+              <a:t>4. Mai 2024</a:t>
             </a:fld>
             <a:endParaRPr lang="de-DE" dirty="0"/>
           </a:p>
@@ -9370,7 +9370,7 @@
           <a:p>
             <a:fld id="{72039D58-0DC3-42C2-AA13-30D3D2F6EFF2}" type="datetime4">
               <a:rPr lang="de-DE" smtClean="0"/>
-              <a:t>17. April 2023</a:t>
+              <a:t>4. Mai 2024</a:t>
             </a:fld>
             <a:endParaRPr lang="de-DE" dirty="0"/>
           </a:p>
@@ -9591,7 +9591,7 @@
           <a:p>
             <a:fld id="{94CDFF67-3994-4979-A0FE-F24F80DBAC94}" type="datetime4">
               <a:rPr lang="de-DE" smtClean="0"/>
-              <a:t>17. April 2023</a:t>
+              <a:t>4. Mai 2024</a:t>
             </a:fld>
             <a:endParaRPr lang="de-DE" dirty="0"/>
           </a:p>
@@ -9836,7 +9836,7 @@
           <a:p>
             <a:fld id="{89279DA1-8088-4835-818A-3BBD9DBBD31C}" type="datetime4">
               <a:rPr lang="de-DE" smtClean="0"/>
-              <a:t>17. April 2023</a:t>
+              <a:t>4. Mai 2024</a:t>
             </a:fld>
             <a:endParaRPr lang="de-DE" dirty="0"/>
           </a:p>
@@ -10313,7 +10313,7 @@
           <a:p>
             <a:fld id="{95D63654-1CB1-4003-9415-17A1D864FFDE}" type="datetime4">
               <a:rPr lang="de-DE" smtClean="0"/>
-              <a:t>17. April 2023</a:t>
+              <a:t>4. Mai 2024</a:t>
             </a:fld>
             <a:endParaRPr lang="de-DE" dirty="0"/>
           </a:p>
@@ -10680,7 +10680,7 @@
           <a:p>
             <a:fld id="{5FB2F35D-3437-4A41-91A6-5E7B9337EDDF}" type="datetime4">
               <a:rPr lang="de-DE" smtClean="0"/>
-              <a:t>17. April 2023</a:t>
+              <a:t>4. Mai 2024</a:t>
             </a:fld>
             <a:endParaRPr lang="de-DE" dirty="0"/>
           </a:p>
@@ -10969,7 +10969,7 @@
           <a:p>
             <a:fld id="{6F268A66-180A-493F-AAE9-AFDF022E665B}" type="datetime4">
               <a:rPr lang="de-DE" smtClean="0"/>
-              <a:t>17. April 2023</a:t>
+              <a:t>4. Mai 2024</a:t>
             </a:fld>
             <a:endParaRPr lang="de-DE" dirty="0"/>
           </a:p>
@@ -11214,7 +11214,7 @@
           <a:p>
             <a:fld id="{664C8CDD-2FDC-4B69-8836-F859B1F5720D}" type="datetime4">
               <a:rPr lang="de-DE" smtClean="0"/>
-              <a:t>17. April 2023</a:t>
+              <a:t>4. Mai 2024</a:t>
             </a:fld>
             <a:endParaRPr lang="de-DE" dirty="0"/>
           </a:p>
@@ -11507,7 +11507,7 @@
           <a:p>
             <a:fld id="{F5A98005-84E2-4AAB-9206-83FE27ACC6DF}" type="datetime4">
               <a:rPr lang="de-DE" smtClean="0"/>
-              <a:t>17. April 2023</a:t>
+              <a:t>4. Mai 2024</a:t>
             </a:fld>
             <a:endParaRPr lang="de-DE" dirty="0"/>
           </a:p>
@@ -11727,7 +11727,7 @@
           <a:p>
             <a:fld id="{85EF0B69-519F-46CE-BC91-3412468657B4}" type="datetime4">
               <a:rPr lang="de-DE" smtClean="0"/>
-              <a:t>17. April 2023</a:t>
+              <a:t>4. Mai 2024</a:t>
             </a:fld>
             <a:endParaRPr lang="de-DE" dirty="0"/>
           </a:p>
@@ -12124,7 +12124,7 @@
           <a:p>
             <a:fld id="{D02A31D2-BA4A-4A6E-8BA3-F30205AFCA93}" type="datetime4">
               <a:rPr lang="de-DE" smtClean="0"/>
-              <a:t>17. April 2023</a:t>
+              <a:t>4. Mai 2024</a:t>
             </a:fld>
             <a:endParaRPr lang="de-DE" dirty="0"/>
           </a:p>
@@ -12306,7 +12306,7 @@
           <a:p>
             <a:fld id="{3FCF6ACD-0C1F-425B-9930-7601BA49EE6D}" type="datetime4">
               <a:rPr lang="de-DE" smtClean="0"/>
-              <a:t>17. April 2023</a:t>
+              <a:t>4. Mai 2024</a:t>
             </a:fld>
             <a:endParaRPr lang="de-DE" dirty="0"/>
           </a:p>
@@ -12594,7 +12594,7 @@
           <a:p>
             <a:fld id="{1CF8ADFA-B378-41F5-AA4C-7B1324097562}" type="datetime4">
               <a:rPr lang="de-DE" smtClean="0"/>
-              <a:t>17. April 2023</a:t>
+              <a:t>4. Mai 2024</a:t>
             </a:fld>
             <a:endParaRPr lang="de-DE" dirty="0"/>
           </a:p>
@@ -12857,7 +12857,7 @@
           <a:p>
             <a:fld id="{E160DAE3-2EED-40E8-8859-3FFBF67123F9}" type="datetime4">
               <a:rPr lang="de-DE" smtClean="0"/>
-              <a:t>17. April 2023</a:t>
+              <a:t>4. Mai 2024</a:t>
             </a:fld>
             <a:endParaRPr lang="de-DE" dirty="0"/>
           </a:p>
@@ -13072,7 +13072,7 @@
           <a:p>
             <a:fld id="{31656204-3BB4-4B50-89C2-F5FBB9A2B578}" type="datetime4">
               <a:rPr lang="de-DE" smtClean="0"/>
-              <a:t>17. April 2023</a:t>
+              <a:t>4. Mai 2024</a:t>
             </a:fld>
             <a:endParaRPr lang="de-DE" dirty="0"/>
           </a:p>
@@ -13335,7 +13335,7 @@
           <a:p>
             <a:fld id="{88F09C02-71E8-4EA3-AE46-72A2ED885154}" type="datetime4">
               <a:rPr lang="de-DE" smtClean="0"/>
-              <a:t>17. April 2023</a:t>
+              <a:t>4. Mai 2024</a:t>
             </a:fld>
             <a:endParaRPr lang="de-DE" dirty="0"/>
           </a:p>
@@ -13562,7 +13562,7 @@
           <a:p>
             <a:fld id="{C0712BE5-347C-484E-BC1B-DD20F637B91A}" type="datetime4">
               <a:rPr lang="de-DE" smtClean="0"/>
-              <a:t>17. April 2023</a:t>
+              <a:t>4. Mai 2024</a:t>
             </a:fld>
             <a:endParaRPr lang="de-DE" dirty="0"/>
           </a:p>
@@ -13883,7 +13883,7 @@
           <a:p>
             <a:fld id="{51DFF242-89D4-4024-9265-A2047173F2D4}" type="datetime4">
               <a:rPr lang="de-DE" smtClean="0"/>
-              <a:t>17. April 2023</a:t>
+              <a:t>4. Mai 2024</a:t>
             </a:fld>
             <a:endParaRPr lang="de-DE" dirty="0"/>
           </a:p>
@@ -14379,7 +14379,7 @@
           <a:p>
             <a:fld id="{F320CE6C-B50A-4CCE-8735-120ACF43F7F9}" type="datetime4">
               <a:rPr lang="de-DE" smtClean="0"/>
-              <a:t>17. April 2023</a:t>
+              <a:t>4. Mai 2024</a:t>
             </a:fld>
             <a:endParaRPr lang="de-DE" dirty="0"/>
           </a:p>
@@ -14873,7 +14873,7 @@
           <a:p>
             <a:fld id="{0EA96298-E112-4E11-92B8-3B527238C701}" type="datetime4">
               <a:rPr lang="de-DE" smtClean="0"/>
-              <a:t>17. April 2023</a:t>
+              <a:t>4. Mai 2024</a:t>
             </a:fld>
             <a:endParaRPr lang="de-DE" dirty="0"/>
           </a:p>
@@ -15017,7 +15017,7 @@
           <a:p>
             <a:fld id="{248B0D40-E2D4-4FCB-9604-0783D752AB99}" type="datetime4">
               <a:rPr lang="de-DE" smtClean="0"/>
-              <a:t>17. April 2023</a:t>
+              <a:t>4. Mai 2024</a:t>
             </a:fld>
             <a:endParaRPr lang="de-DE" dirty="0"/>
           </a:p>
@@ -15365,7 +15365,7 @@
           <a:p>
             <a:fld id="{A2F0CADF-83E6-4756-9339-C8EA8B5783F4}" type="datetime4">
               <a:rPr lang="de-DE" smtClean="0"/>
-              <a:t>17. April 2023</a:t>
+              <a:t>4. Mai 2024</a:t>
             </a:fld>
             <a:endParaRPr lang="de-DE" dirty="0"/>
           </a:p>
@@ -15575,7 +15575,7 @@
           <a:p>
             <a:fld id="{0F34AC5D-F74C-4234-B61E-15B0437195A0}" type="datetime4">
               <a:rPr lang="de-DE" smtClean="0"/>
-              <a:t>17. April 2023</a:t>
+              <a:t>4. Mai 2024</a:t>
             </a:fld>
             <a:endParaRPr lang="de-DE" dirty="0"/>
           </a:p>
@@ -16210,7 +16210,7 @@
           <a:p>
             <a:fld id="{E8C22886-775C-408F-BB43-B6064A6CE032}" type="datetime4">
               <a:rPr lang="de-DE" smtClean="0"/>
-              <a:t>17. April 2023</a:t>
+              <a:t>4. Mai 2024</a:t>
             </a:fld>
             <a:endParaRPr lang="de-DE" dirty="0"/>
           </a:p>
@@ -16506,7 +16506,7 @@
           <a:p>
             <a:fld id="{27A891C4-E740-4D23-BBEE-113B3D7E487E}" type="datetime4">
               <a:rPr lang="de-DE" smtClean="0"/>
-              <a:t>17. April 2023</a:t>
+              <a:t>4. Mai 2024</a:t>
             </a:fld>
             <a:endParaRPr lang="de-DE" dirty="0"/>
           </a:p>
@@ -16688,7 +16688,7 @@
           <a:p>
             <a:fld id="{539BDCB7-074D-4257-B54E-A2FF043C8402}" type="datetime4">
               <a:rPr lang="de-DE" smtClean="0"/>
-              <a:t>17. April 2023</a:t>
+              <a:t>4. Mai 2024</a:t>
             </a:fld>
             <a:endParaRPr lang="de-DE" dirty="0"/>
           </a:p>
@@ -17174,7 +17174,7 @@
           <a:p>
             <a:fld id="{C290A3CF-1527-4FBC-980B-3B3D96E2C73E}" type="datetime4">
               <a:rPr lang="de-DE" smtClean="0"/>
-              <a:t>17. April 2023</a:t>
+              <a:t>4. Mai 2024</a:t>
             </a:fld>
             <a:endParaRPr lang="de-DE" dirty="0"/>
           </a:p>
@@ -17640,7 +17640,7 @@
           <a:p>
             <a:fld id="{47B293C4-DE23-4B13-851C-021E18520767}" type="datetime4">
               <a:rPr lang="de-DE" smtClean="0"/>
-              <a:t>17. April 2023</a:t>
+              <a:t>4. Mai 2024</a:t>
             </a:fld>
             <a:endParaRPr lang="de-DE" dirty="0"/>
           </a:p>
@@ -18385,7 +18385,7 @@
           <a:p>
             <a:fld id="{7D2A4CEB-AED2-41B0-A555-81670E654122}" type="datetime4">
               <a:rPr lang="de-DE" smtClean="0"/>
-              <a:t>17. April 2023</a:t>
+              <a:t>4. Mai 2024</a:t>
             </a:fld>
             <a:endParaRPr lang="de-DE" dirty="0"/>
           </a:p>
@@ -19001,7 +19001,7 @@
           <a:p>
             <a:r>
               <a:rPr lang="de-DE" dirty="0"/>
-              <a:t>in dem Workshop wird euch eine Einführung in R gegeben (Fokus Grundlagen) und euch werden eine Vielzahl an Vorlagen bereitgestellt für eure eigenen Projekte</a:t>
+              <a:t>in dem Workshop [auf Englisch] wird euch eine Einführung in R gegeben (Fokus Grundlagen am Freitag) und euch werden eine Vielzahl an Vorlagen bereitgestellt für eure eigenen Projekte</a:t>
             </a:r>
           </a:p>
           <a:p>
@@ -19032,37 +19032,26 @@
             </a:r>
             <a:r>
               <a:rPr lang="en-US" dirty="0"/>
-              <a:t> Bernstein-</a:t>
-            </a:r>
-            <a:r>
-              <a:rPr lang="en-US" dirty="0" err="1"/>
-              <a:t>Hörsaal</a:t>
-            </a:r>
-            <a:r>
-              <a:rPr lang="en-US" dirty="0"/>
-              <a:t> in </a:t>
-            </a:r>
-            <a:r>
-              <a:rPr lang="en-US" dirty="0" err="1"/>
-              <a:t>Hansastraße</a:t>
-            </a:r>
-            <a:r>
-              <a:rPr lang="en-US" dirty="0"/>
-              <a:t> 9A, 79104 Freiburg</a:t>
-            </a:r>
+              <a:t> </a:t>
+            </a:r>
+            <a:r>
+              <a:rPr lang="de-DE" dirty="0"/>
+              <a:t>Hörsaal der Psychologie (Engelbergerstr. 41c, 79106 Freiburg)</a:t>
+            </a:r>
+            <a:endParaRPr lang="en-US" dirty="0"/>
           </a:p>
           <a:p>
             <a:pPr lvl="1"/>
             <a:r>
               <a:rPr lang="de-DE" dirty="0"/>
-              <a:t>Freitag, den 5.05.; ab 14 Uhr (ct) bis etwa 18 Uhr</a:t>
+              <a:t>Freitag, den 10.05.; ab 13 Uhr (ct) bis etwa 18 Uhr</a:t>
             </a:r>
           </a:p>
           <a:p>
             <a:pPr lvl="1"/>
             <a:r>
               <a:rPr lang="de-DE" dirty="0"/>
-              <a:t>Samstag, den 6.05.; ab 9 Uhr (ct) bis etwa 16 Uhr</a:t>
+              <a:t>Samstag, den 11.05.; ab 9 Uhr (ct) bis etwa 16 Uhr</a:t>
             </a:r>
           </a:p>
           <a:p>
@@ -19077,7 +19066,7 @@
           <a:p>
             <a:r>
               <a:rPr lang="de-DE" dirty="0"/>
-              <a:t>Meldet euch bitte bis zum 26. April zu dem Workshop an, indem ihr das </a:t>
+              <a:t>Meldet euch bitte bis zum 30. April zu dem Workshop an, indem ihr das </a:t>
             </a:r>
           </a:p>
           <a:p>
@@ -19092,11 +19081,14 @@
               <a:rPr lang="de-DE" dirty="0">
                 <a:hlinkClick r:id="rId2"/>
               </a:rPr>
-              <a:t>https://forms.gle/cAZi7aUkQ9ENDzLq7</a:t>
-            </a:r>
-            <a:endParaRPr lang="de-DE" dirty="0"/>
-          </a:p>
-          <a:p>
+              <a:t>https://forms.gle/dgV6JKFyLhuFwhbT7</a:t>
+            </a:r>
+            <a:endParaRPr lang="de-DE" dirty="0"/>
+          </a:p>
+          <a:p>
+            <a:pPr marL="0" indent="0">
+              <a:buNone/>
+            </a:pPr>
             <a:r>
               <a:rPr lang="de-DE" dirty="0"/>
               <a:t>Schreibt mir auch gerne bei Fragen eine </a:t>
@@ -19144,8 +19136,8 @@
         </p:nvSpPr>
         <p:spPr>
           <a:xfrm>
-            <a:off x="2980800" y="6462000"/>
-            <a:ext cx="8593362" cy="180000"/>
+            <a:off x="6528816" y="6461999"/>
+            <a:ext cx="5045346" cy="304527"/>
           </a:xfrm>
         </p:spPr>
         <p:txBody>
@@ -19154,7 +19146,23 @@
           <a:p>
             <a:r>
               <a:rPr lang="en-US" dirty="0"/>
-              <a:t> 5th and 6th of May R-Workshop in the Bernstein lecture hall by Julius Fenn (PhD candidate in the Cognition, Action, and Sustainability department Freiburg) </a:t>
+              <a:t>Von Julius Fenn (Post-doc des </a:t>
+            </a:r>
+            <a:r>
+              <a:rPr lang="en-US" dirty="0" err="1"/>
+              <a:t>Exzellenzclusters</a:t>
+            </a:r>
+            <a:r>
+              <a:rPr lang="en-US" dirty="0"/>
+              <a:t> Living, Adaptive and Energy-autonomous Materials Systems (</a:t>
+            </a:r>
+            <a:r>
+              <a:rPr lang="en-US" dirty="0" err="1"/>
+              <a:t>livMatS</a:t>
+            </a:r>
+            <a:r>
+              <a:rPr lang="en-US" dirty="0"/>
+              <a:t>) in the Cognition, Action, and Sustainability department Freiburg) </a:t>
             </a:r>
             <a:endParaRPr lang="de-DE" dirty="0"/>
           </a:p>
@@ -19196,12 +19204,55 @@
           </a:prstGeom>
         </p:spPr>
       </p:pic>
+      <p:sp>
+        <p:nvSpPr>
+          <p:cNvPr id="4" name="Textfeld 3">
+            <a:extLst>
+              <a:ext uri="{FF2B5EF4-FFF2-40B4-BE49-F238E27FC236}">
+                <a16:creationId xmlns:a16="http://schemas.microsoft.com/office/drawing/2014/main" id="{562CEF58-9E4B-4F42-A145-15226F4E3876}"/>
+              </a:ext>
+            </a:extLst>
+          </p:cNvPr>
+          <p:cNvSpPr txBox="1"/>
+          <p:nvPr/>
+        </p:nvSpPr>
+        <p:spPr>
+          <a:xfrm>
+            <a:off x="9081263" y="5355523"/>
+            <a:ext cx="2667824" cy="845253"/>
+          </a:xfrm>
+          <a:prstGeom prst="rect">
+            <a:avLst/>
+          </a:prstGeom>
+          <a:noFill/>
+        </p:spPr>
+        <p:txBody>
+          <a:bodyPr wrap="square" rtlCol="0">
+            <a:spAutoFit/>
+          </a:bodyPr>
+          <a:lstStyle/>
+          <a:p>
+            <a:r>
+              <a:rPr lang="en-US" sz="1200" dirty="0"/>
+              <a:t>using programming to innovate, solve problems, and harness technology's potential (picture created by </a:t>
+            </a:r>
+            <a:r>
+              <a:rPr lang="en-US" sz="1200" dirty="0" err="1"/>
+              <a:t>ChatGPT</a:t>
+            </a:r>
+            <a:r>
+              <a:rPr lang="en-US" sz="1200" dirty="0"/>
+              <a:t>)</a:t>
+            </a:r>
+          </a:p>
+        </p:txBody>
+      </p:sp>
       <p:pic>
         <p:nvPicPr>
-          <p:cNvPr id="15" name="Grafik 14">
-            <a:extLst>
-              <a:ext uri="{FF2B5EF4-FFF2-40B4-BE49-F238E27FC236}">
-                <a16:creationId xmlns:a16="http://schemas.microsoft.com/office/drawing/2014/main" id="{103F38C4-6E29-4623-909D-968E53B5989B}"/>
+          <p:cNvPr id="7" name="Grafik 6">
+            <a:extLst>
+              <a:ext uri="{FF2B5EF4-FFF2-40B4-BE49-F238E27FC236}">
+                <a16:creationId xmlns:a16="http://schemas.microsoft.com/office/drawing/2014/main" id="{23A1C851-E70D-49F1-A8DB-B47568B944AB}"/>
               </a:ext>
             </a:extLst>
           </p:cNvPr>
@@ -19218,8 +19269,8 @@
         </p:blipFill>
         <p:spPr>
           <a:xfrm>
-            <a:off x="8583478" y="3253551"/>
-            <a:ext cx="2990684" cy="2673573"/>
+            <a:off x="9081263" y="2744038"/>
+            <a:ext cx="2667824" cy="2611485"/>
           </a:xfrm>
           <a:prstGeom prst="rect">
             <a:avLst/>
